--- a/03-Conditions.pptx
+++ b/03-Conditions.pptx
@@ -317,7 +317,7 @@
           <a:p>
             <a:fld id="{3EA744D9-3FBE-48D8-BF2A-85DF203E4D20}" type="datetimeFigureOut">
               <a:rPr lang="bg-BG" smtClean="0"/>
-              <a:t>8.3.2016 г.</a:t>
+              <a:t>4.10.2016 г.</a:t>
             </a:fld>
             <a:endParaRPr lang="bg-BG"/>
           </a:p>
@@ -487,7 +487,7 @@
           <a:p>
             <a:fld id="{3EA744D9-3FBE-48D8-BF2A-85DF203E4D20}" type="datetimeFigureOut">
               <a:rPr lang="bg-BG" smtClean="0"/>
-              <a:t>8.3.2016 г.</a:t>
+              <a:t>4.10.2016 г.</a:t>
             </a:fld>
             <a:endParaRPr lang="bg-BG"/>
           </a:p>
@@ -667,7 +667,7 @@
           <a:p>
             <a:fld id="{3EA744D9-3FBE-48D8-BF2A-85DF203E4D20}" type="datetimeFigureOut">
               <a:rPr lang="bg-BG" smtClean="0"/>
-              <a:t>8.3.2016 г.</a:t>
+              <a:t>4.10.2016 г.</a:t>
             </a:fld>
             <a:endParaRPr lang="bg-BG"/>
           </a:p>
@@ -837,7 +837,7 @@
           <a:p>
             <a:fld id="{3EA744D9-3FBE-48D8-BF2A-85DF203E4D20}" type="datetimeFigureOut">
               <a:rPr lang="bg-BG" smtClean="0"/>
-              <a:t>8.3.2016 г.</a:t>
+              <a:t>4.10.2016 г.</a:t>
             </a:fld>
             <a:endParaRPr lang="bg-BG"/>
           </a:p>
@@ -1083,7 +1083,7 @@
           <a:p>
             <a:fld id="{3EA744D9-3FBE-48D8-BF2A-85DF203E4D20}" type="datetimeFigureOut">
               <a:rPr lang="bg-BG" smtClean="0"/>
-              <a:t>8.3.2016 г.</a:t>
+              <a:t>4.10.2016 г.</a:t>
             </a:fld>
             <a:endParaRPr lang="bg-BG"/>
           </a:p>
@@ -1371,7 +1371,7 @@
           <a:p>
             <a:fld id="{3EA744D9-3FBE-48D8-BF2A-85DF203E4D20}" type="datetimeFigureOut">
               <a:rPr lang="bg-BG" smtClean="0"/>
-              <a:t>8.3.2016 г.</a:t>
+              <a:t>4.10.2016 г.</a:t>
             </a:fld>
             <a:endParaRPr lang="bg-BG"/>
           </a:p>
@@ -1793,7 +1793,7 @@
           <a:p>
             <a:fld id="{3EA744D9-3FBE-48D8-BF2A-85DF203E4D20}" type="datetimeFigureOut">
               <a:rPr lang="bg-BG" smtClean="0"/>
-              <a:t>8.3.2016 г.</a:t>
+              <a:t>4.10.2016 г.</a:t>
             </a:fld>
             <a:endParaRPr lang="bg-BG"/>
           </a:p>
@@ -1911,7 +1911,7 @@
           <a:p>
             <a:fld id="{3EA744D9-3FBE-48D8-BF2A-85DF203E4D20}" type="datetimeFigureOut">
               <a:rPr lang="bg-BG" smtClean="0"/>
-              <a:t>8.3.2016 г.</a:t>
+              <a:t>4.10.2016 г.</a:t>
             </a:fld>
             <a:endParaRPr lang="bg-BG"/>
           </a:p>
@@ -2006,7 +2006,7 @@
           <a:p>
             <a:fld id="{3EA744D9-3FBE-48D8-BF2A-85DF203E4D20}" type="datetimeFigureOut">
               <a:rPr lang="bg-BG" smtClean="0"/>
-              <a:t>8.3.2016 г.</a:t>
+              <a:t>4.10.2016 г.</a:t>
             </a:fld>
             <a:endParaRPr lang="bg-BG"/>
           </a:p>
@@ -2283,7 +2283,7 @@
           <a:p>
             <a:fld id="{3EA744D9-3FBE-48D8-BF2A-85DF203E4D20}" type="datetimeFigureOut">
               <a:rPr lang="bg-BG" smtClean="0"/>
-              <a:t>8.3.2016 г.</a:t>
+              <a:t>4.10.2016 г.</a:t>
             </a:fld>
             <a:endParaRPr lang="bg-BG"/>
           </a:p>
@@ -2536,7 +2536,7 @@
           <a:p>
             <a:fld id="{3EA744D9-3FBE-48D8-BF2A-85DF203E4D20}" type="datetimeFigureOut">
               <a:rPr lang="bg-BG" smtClean="0"/>
-              <a:t>8.3.2016 г.</a:t>
+              <a:t>4.10.2016 г.</a:t>
             </a:fld>
             <a:endParaRPr lang="bg-BG"/>
           </a:p>
@@ -2758,7 +2758,7 @@
           <a:p>
             <a:fld id="{3EA744D9-3FBE-48D8-BF2A-85DF203E4D20}" type="datetimeFigureOut">
               <a:rPr lang="bg-BG" smtClean="0"/>
-              <a:t>8.3.2016 г.</a:t>
+              <a:t>4.10.2016 г.</a:t>
             </a:fld>
             <a:endParaRPr lang="bg-BG"/>
           </a:p>
@@ -3324,13 +3324,6 @@
               </a:rPr>
               <a:t>) </a:t>
             </a:r>
-            <a:endParaRPr lang="en-US" dirty="0" smtClean="0">
-              <a:solidFill>
-                <a:schemeClr val="bg1">
-                  <a:lumMod val="95000"/>
-                </a:schemeClr>
-              </a:solidFill>
-            </a:endParaRPr>
           </a:p>
           <a:p>
             <a:pPr marL="0" indent="0">
@@ -4424,6 +4417,13 @@
   <p:clrMapOvr>
     <a:masterClrMapping/>
   </p:clrMapOvr>
+  <p:timing>
+    <p:tnLst>
+      <p:par>
+        <p:cTn id="1" dur="indefinite" restart="never" nodeType="tmRoot"/>
+      </p:par>
+    </p:tnLst>
+  </p:timing>
 </p:sld>
 </file>
 
@@ -5384,17 +5384,17 @@
                   </a:schemeClr>
                 </a:solidFill>
               </a:rPr>
-              <a:t> A. </a:t>
-            </a:r>
-            <a:r>
-              <a:rPr lang="ru-RU" sz="2000" dirty="0" err="1">
-                <a:solidFill>
-                  <a:schemeClr val="bg1">
-                    <a:lumMod val="95000"/>
-                  </a:schemeClr>
-                </a:solidFill>
-              </a:rPr>
-              <a:t>Направете</a:t>
+              <a:t> A. Направете </a:t>
+            </a:r>
+            <a:r>
+              <a:rPr lang="ru-RU" sz="2000" dirty="0" smtClean="0">
+                <a:solidFill>
+                  <a:schemeClr val="bg1">
+                    <a:lumMod val="95000"/>
+                  </a:schemeClr>
+                </a:solidFill>
+              </a:rPr>
+              <a:t>програма, </a:t>
             </a:r>
             <a:r>
               <a:rPr lang="ru-RU" sz="2000" dirty="0">
@@ -5404,17 +5404,7 @@
                   </a:schemeClr>
                 </a:solidFill>
               </a:rPr>
-              <a:t> </a:t>
-            </a:r>
-            <a:r>
-              <a:rPr lang="ru-RU" sz="2000" dirty="0" err="1" smtClean="0">
-                <a:solidFill>
-                  <a:schemeClr val="bg1">
-                    <a:lumMod val="95000"/>
-                  </a:schemeClr>
-                </a:solidFill>
-              </a:rPr>
-              <a:t>програма</a:t>
+              <a:t>която приема от конзолата </a:t>
             </a:r>
             <a:r>
               <a:rPr lang="ru-RU" sz="2000" dirty="0" smtClean="0">
@@ -5424,17 +5414,7 @@
                   </a:schemeClr>
                 </a:solidFill>
               </a:rPr>
-              <a:t>, </a:t>
-            </a:r>
-            <a:r>
-              <a:rPr lang="ru-RU" sz="2000" dirty="0" err="1">
-                <a:solidFill>
-                  <a:schemeClr val="bg1">
-                    <a:lumMod val="95000"/>
-                  </a:schemeClr>
-                </a:solidFill>
-              </a:rPr>
-              <a:t>която</a:t>
+              <a:t>карта и </a:t>
             </a:r>
             <a:r>
               <a:rPr lang="ru-RU" sz="2000" dirty="0">
@@ -5444,47 +5424,17 @@
                   </a:schemeClr>
                 </a:solidFill>
               </a:rPr>
-              <a:t> приема от </a:t>
-            </a:r>
-            <a:r>
-              <a:rPr lang="ru-RU" sz="2000" err="1">
-                <a:solidFill>
-                  <a:schemeClr val="bg1">
-                    <a:lumMod val="95000"/>
-                  </a:schemeClr>
-                </a:solidFill>
-              </a:rPr>
-              <a:t>конзолата</a:t>
-            </a:r>
-            <a:r>
-              <a:rPr lang="ru-RU" sz="2000">
-                <a:solidFill>
-                  <a:schemeClr val="bg1">
-                    <a:lumMod val="95000"/>
-                  </a:schemeClr>
-                </a:solidFill>
-              </a:rPr>
-              <a:t> </a:t>
-            </a:r>
-            <a:r>
-              <a:rPr lang="ru-RU" sz="2000" smtClean="0">
-                <a:solidFill>
-                  <a:schemeClr val="bg1">
-                    <a:lumMod val="95000"/>
-                  </a:schemeClr>
-                </a:solidFill>
-              </a:rPr>
-              <a:t>карта и </a:t>
-            </a:r>
-            <a:r>
-              <a:rPr lang="ru-RU" sz="2000" dirty="0" err="1">
-                <a:solidFill>
-                  <a:schemeClr val="bg1">
-                    <a:lumMod val="95000"/>
-                  </a:schemeClr>
-                </a:solidFill>
-              </a:rPr>
-              <a:t>принтира</a:t>
+              <a:t>принтира "Валидна </a:t>
+            </a:r>
+            <a:r>
+              <a:rPr lang="ru-RU" sz="2000" dirty="0" smtClean="0">
+                <a:solidFill>
+                  <a:schemeClr val="bg1">
+                    <a:lumMod val="95000"/>
+                  </a:schemeClr>
+                </a:solidFill>
+              </a:rPr>
+              <a:t>карта", </a:t>
             </a:r>
             <a:r>
               <a:rPr lang="ru-RU" sz="2000" dirty="0">
@@ -5494,7 +5444,7 @@
                   </a:schemeClr>
                 </a:solidFill>
               </a:rPr>
-              <a:t> "Валидна </a:t>
+              <a:t>ако </a:t>
             </a:r>
             <a:r>
               <a:rPr lang="ru-RU" sz="2000" dirty="0" smtClean="0">
@@ -5504,36 +5454,6 @@
                   </a:schemeClr>
                 </a:solidFill>
               </a:rPr>
-              <a:t>карта", </a:t>
-            </a:r>
-            <a:r>
-              <a:rPr lang="ru-RU" sz="2000" err="1">
-                <a:solidFill>
-                  <a:schemeClr val="bg1">
-                    <a:lumMod val="95000"/>
-                  </a:schemeClr>
-                </a:solidFill>
-              </a:rPr>
-              <a:t>ако</a:t>
-            </a:r>
-            <a:r>
-              <a:rPr lang="ru-RU" sz="2000">
-                <a:solidFill>
-                  <a:schemeClr val="bg1">
-                    <a:lumMod val="95000"/>
-                  </a:schemeClr>
-                </a:solidFill>
-              </a:rPr>
-              <a:t> </a:t>
-            </a:r>
-            <a:r>
-              <a:rPr lang="ru-RU" sz="2000" smtClean="0">
-                <a:solidFill>
-                  <a:schemeClr val="bg1">
-                    <a:lumMod val="95000"/>
-                  </a:schemeClr>
-                </a:solidFill>
-              </a:rPr>
               <a:t>въведената карта представлява </a:t>
             </a:r>
             <a:r>
@@ -5564,17 +5484,17 @@
                   </a:schemeClr>
                 </a:solidFill>
               </a:rPr>
-              <a:t>и </a:t>
-            </a:r>
-            <a:r>
-              <a:rPr lang="ru-RU" sz="2000" dirty="0" err="1">
-                <a:solidFill>
-                  <a:schemeClr val="bg1">
-                    <a:lumMod val="95000"/>
-                  </a:schemeClr>
-                </a:solidFill>
-              </a:rPr>
-              <a:t>съответно</a:t>
+              <a:t>и съответно </a:t>
+            </a:r>
+            <a:r>
+              <a:rPr lang="ru-RU" sz="2000" dirty="0" smtClean="0">
+                <a:solidFill>
+                  <a:schemeClr val="bg1">
+                    <a:lumMod val="95000"/>
+                  </a:schemeClr>
+                </a:solidFill>
+              </a:rPr>
+              <a:t>принтира "Невалидна карта", ако е невалидна </a:t>
             </a:r>
             <a:r>
               <a:rPr lang="ru-RU" sz="2000" dirty="0">
@@ -5584,78 +5504,58 @@
                   </a:schemeClr>
                 </a:solidFill>
               </a:rPr>
-              <a:t> </a:t>
-            </a:r>
-            <a:r>
-              <a:rPr lang="ru-RU" sz="2000" dirty="0" err="1" smtClean="0">
-                <a:solidFill>
-                  <a:schemeClr val="bg1">
-                    <a:lumMod val="95000"/>
-                  </a:schemeClr>
-                </a:solidFill>
-              </a:rPr>
-              <a:t>принтира</a:t>
-            </a:r>
-            <a:r>
-              <a:rPr lang="ru-RU" sz="2000" dirty="0" smtClean="0">
-                <a:solidFill>
-                  <a:schemeClr val="bg1">
-                    <a:lumMod val="95000"/>
-                  </a:schemeClr>
-                </a:solidFill>
-              </a:rPr>
-              <a:t> "</a:t>
-            </a:r>
-            <a:r>
-              <a:rPr lang="ru-RU" sz="2000" dirty="0" err="1" smtClean="0">
-                <a:solidFill>
-                  <a:schemeClr val="bg1">
-                    <a:lumMod val="95000"/>
-                  </a:schemeClr>
-                </a:solidFill>
-              </a:rPr>
-              <a:t>Невалидна</a:t>
-            </a:r>
-            <a:r>
-              <a:rPr lang="ru-RU" sz="2000" dirty="0" smtClean="0">
-                <a:solidFill>
-                  <a:schemeClr val="bg1">
-                    <a:lumMod val="95000"/>
-                  </a:schemeClr>
-                </a:solidFill>
-              </a:rPr>
-              <a:t> карта</a:t>
-            </a:r>
-            <a:r>
-              <a:rPr lang="ru-RU" sz="2000" smtClean="0">
-                <a:solidFill>
-                  <a:schemeClr val="bg1">
-                    <a:lumMod val="95000"/>
-                  </a:schemeClr>
-                </a:solidFill>
-              </a:rPr>
-              <a:t>", </a:t>
-            </a:r>
-            <a:r>
-              <a:rPr lang="ru-RU" sz="2000" smtClean="0">
-                <a:solidFill>
-                  <a:schemeClr val="bg1">
-                    <a:lumMod val="95000"/>
-                  </a:schemeClr>
-                </a:solidFill>
-              </a:rPr>
-              <a:t>ако е невалидна </a:t>
-            </a:r>
-            <a:r>
-              <a:rPr lang="ru-RU" sz="2000" dirty="0">
-                <a:solidFill>
-                  <a:schemeClr val="bg1">
-                    <a:lumMod val="95000"/>
-                  </a:schemeClr>
-                </a:solidFill>
-              </a:rPr>
               <a:t>карта. </a:t>
             </a:r>
+            <a:endParaRPr lang="en-US" sz="2000" dirty="0" smtClean="0">
+              <a:solidFill>
+                <a:schemeClr val="bg1">
+                  <a:lumMod val="95000"/>
+                </a:schemeClr>
+              </a:solidFill>
+            </a:endParaRPr>
+          </a:p>
+          <a:p>
+            <a:pPr>
+              <a:buFont typeface="Wingdings" panose="05000000000000000000" pitchFamily="2" charset="2"/>
+              <a:buChar char="§"/>
+            </a:pPr>
+            <a:r>
+              <a:rPr lang="bg-BG" sz="2000" dirty="0" smtClean="0">
+                <a:solidFill>
+                  <a:schemeClr val="bg1">
+                    <a:lumMod val="95000"/>
+                  </a:schemeClr>
+                </a:solidFill>
+              </a:rPr>
+              <a:t>Решете задачата от клас използвайки </a:t>
+            </a:r>
+            <a:r>
+              <a:rPr lang="en-US" sz="2000" dirty="0" smtClean="0">
+                <a:solidFill>
+                  <a:schemeClr val="bg1">
+                    <a:lumMod val="95000"/>
+                  </a:schemeClr>
+                </a:solidFill>
+              </a:rPr>
+              <a:t>Switch </a:t>
+            </a:r>
+            <a:r>
+              <a:rPr lang="bg-BG" sz="2000" smtClean="0">
+                <a:solidFill>
+                  <a:schemeClr val="bg1">
+                    <a:lumMod val="95000"/>
+                  </a:schemeClr>
+                </a:solidFill>
+              </a:rPr>
+              <a:t>конструкция.</a:t>
+            </a:r>
+            <a:endParaRPr lang="ru-RU" sz="2000" dirty="0">
+              <a:solidFill>
+                <a:schemeClr val="bg1">
+                  <a:lumMod val="95000"/>
+                </a:schemeClr>
+              </a:solidFill>
+            </a:endParaRPr>
           </a:p>
           <a:p>
             <a:pPr>
